--- a/ppt 16-9/1188.快乐家庭.pptx
+++ b/ppt 16-9/1188.快乐家庭.pptx
@@ -5,7 +5,7 @@
     <p:sldMasterId id="2147483648" r:id="rId1"/>
   </p:sldMasterIdLst>
   <p:sldIdLst>
-    <p:sldId id="709" r:id="rId2"/>
+    <p:sldId id="710" r:id="rId2"/>
   </p:sldIdLst>
   <p:sldSz cx="12192000" cy="6858000"/>
   <p:notesSz cx="6858000" cy="9144000"/>
@@ -129,7 +129,7 @@
           <p:cNvPr id="2" name="标题 1">
             <a:extLst>
               <a:ext uri="{FF2B5EF4-FFF2-40B4-BE49-F238E27FC236}">
-                <a16:creationId xmlns:a16="http://schemas.microsoft.com/office/drawing/2014/main" id="{93A367AB-857D-FA79-3AF7-1AF6BEF28EFC}"/>
+                <a16:creationId xmlns:a16="http://schemas.microsoft.com/office/drawing/2014/main" id="{F9A501AE-075F-6E2B-A7D1-5D2BB817DF40}"/>
               </a:ext>
             </a:extLst>
           </p:cNvPr>
@@ -166,7 +166,7 @@
           <p:cNvPr id="3" name="副标题 2">
             <a:extLst>
               <a:ext uri="{FF2B5EF4-FFF2-40B4-BE49-F238E27FC236}">
-                <a16:creationId xmlns:a16="http://schemas.microsoft.com/office/drawing/2014/main" id="{1CA4767B-B163-32D5-CC0E-57EF412EE16A}"/>
+                <a16:creationId xmlns:a16="http://schemas.microsoft.com/office/drawing/2014/main" id="{6778CAE8-261C-8C9A-83C0-34DBE147F874}"/>
               </a:ext>
             </a:extLst>
           </p:cNvPr>
@@ -236,7 +236,7 @@
           <p:cNvPr id="4" name="日期占位符 3">
             <a:extLst>
               <a:ext uri="{FF2B5EF4-FFF2-40B4-BE49-F238E27FC236}">
-                <a16:creationId xmlns:a16="http://schemas.microsoft.com/office/drawing/2014/main" id="{C539796D-1D56-FD40-FB53-85EBBAFE126D}"/>
+                <a16:creationId xmlns:a16="http://schemas.microsoft.com/office/drawing/2014/main" id="{8A04F05A-9DC4-6BDB-259A-8A74C19289E7}"/>
               </a:ext>
             </a:extLst>
           </p:cNvPr>
@@ -252,7 +252,7 @@
           <a:bodyPr/>
           <a:lstStyle/>
           <a:p>
-            <a:fld id="{89145896-6E34-4A68-9322-FD2549C1DF64}" type="datetimeFigureOut">
+            <a:fld id="{F0C9C9B2-3859-4641-8750-E6210C8E4751}" type="datetimeFigureOut">
               <a:rPr lang="zh-CN" altLang="en-US" smtClean="0"/>
               <a:t>2024/3/10</a:t>
             </a:fld>
@@ -265,7 +265,7 @@
           <p:cNvPr id="5" name="页脚占位符 4">
             <a:extLst>
               <a:ext uri="{FF2B5EF4-FFF2-40B4-BE49-F238E27FC236}">
-                <a16:creationId xmlns:a16="http://schemas.microsoft.com/office/drawing/2014/main" id="{255F62CC-546B-3080-380D-9A615A599B74}"/>
+                <a16:creationId xmlns:a16="http://schemas.microsoft.com/office/drawing/2014/main" id="{9DAECE7D-60F7-580D-B8B6-2D828B8A6E21}"/>
               </a:ext>
             </a:extLst>
           </p:cNvPr>
@@ -290,7 +290,7 @@
           <p:cNvPr id="6" name="灯片编号占位符 5">
             <a:extLst>
               <a:ext uri="{FF2B5EF4-FFF2-40B4-BE49-F238E27FC236}">
-                <a16:creationId xmlns:a16="http://schemas.microsoft.com/office/drawing/2014/main" id="{1BA693EE-7ABC-D6F5-44D6-0B6B6DA6D760}"/>
+                <a16:creationId xmlns:a16="http://schemas.microsoft.com/office/drawing/2014/main" id="{73EB65D5-F0EF-8234-8EBA-B97C28E4EC2A}"/>
               </a:ext>
             </a:extLst>
           </p:cNvPr>
@@ -306,7 +306,7 @@
           <a:bodyPr/>
           <a:lstStyle/>
           <a:p>
-            <a:fld id="{AE138A57-60B0-42F9-B0F8-86DF8E120A51}" type="slidenum">
+            <a:fld id="{FF23B302-5B0E-4EEB-B3AF-64E42A256ACD}" type="slidenum">
               <a:rPr lang="zh-CN" altLang="en-US" smtClean="0"/>
               <a:t>‹#›</a:t>
             </a:fld>
@@ -317,7 +317,7 @@
     </p:spTree>
     <p:extLst>
       <p:ext uri="{BB962C8B-B14F-4D97-AF65-F5344CB8AC3E}">
-        <p14:creationId xmlns:p14="http://schemas.microsoft.com/office/powerpoint/2010/main" val="3076227844"/>
+        <p14:creationId xmlns:p14="http://schemas.microsoft.com/office/powerpoint/2010/main" val="713291763"/>
       </p:ext>
     </p:extLst>
   </p:cSld>
@@ -349,7 +349,7 @@
           <p:cNvPr id="2" name="标题 1">
             <a:extLst>
               <a:ext uri="{FF2B5EF4-FFF2-40B4-BE49-F238E27FC236}">
-                <a16:creationId xmlns:a16="http://schemas.microsoft.com/office/drawing/2014/main" id="{B4C103C0-C9EE-EC9D-D7EC-E06D648DCF7C}"/>
+                <a16:creationId xmlns:a16="http://schemas.microsoft.com/office/drawing/2014/main" id="{55FCA240-2479-6A6C-84EE-BEC55D8CB085}"/>
               </a:ext>
             </a:extLst>
           </p:cNvPr>
@@ -377,7 +377,7 @@
           <p:cNvPr id="3" name="竖排文字占位符 2">
             <a:extLst>
               <a:ext uri="{FF2B5EF4-FFF2-40B4-BE49-F238E27FC236}">
-                <a16:creationId xmlns:a16="http://schemas.microsoft.com/office/drawing/2014/main" id="{F384B711-DB40-0B35-2AAC-23DE41C6CB10}"/>
+                <a16:creationId xmlns:a16="http://schemas.microsoft.com/office/drawing/2014/main" id="{29EAC901-8AAB-176F-CC40-BF5FEB99EC7C}"/>
               </a:ext>
             </a:extLst>
           </p:cNvPr>
@@ -434,7 +434,7 @@
           <p:cNvPr id="4" name="日期占位符 3">
             <a:extLst>
               <a:ext uri="{FF2B5EF4-FFF2-40B4-BE49-F238E27FC236}">
-                <a16:creationId xmlns:a16="http://schemas.microsoft.com/office/drawing/2014/main" id="{CCED99FF-F185-82F2-41AD-1930906ABA55}"/>
+                <a16:creationId xmlns:a16="http://schemas.microsoft.com/office/drawing/2014/main" id="{60C9F543-2B51-7CF7-876D-67830415DCE0}"/>
               </a:ext>
             </a:extLst>
           </p:cNvPr>
@@ -450,7 +450,7 @@
           <a:bodyPr/>
           <a:lstStyle/>
           <a:p>
-            <a:fld id="{89145896-6E34-4A68-9322-FD2549C1DF64}" type="datetimeFigureOut">
+            <a:fld id="{F0C9C9B2-3859-4641-8750-E6210C8E4751}" type="datetimeFigureOut">
               <a:rPr lang="zh-CN" altLang="en-US" smtClean="0"/>
               <a:t>2024/3/10</a:t>
             </a:fld>
@@ -463,7 +463,7 @@
           <p:cNvPr id="5" name="页脚占位符 4">
             <a:extLst>
               <a:ext uri="{FF2B5EF4-FFF2-40B4-BE49-F238E27FC236}">
-                <a16:creationId xmlns:a16="http://schemas.microsoft.com/office/drawing/2014/main" id="{B1AB0C09-E0DC-5AF3-3DA0-AB1709E8E037}"/>
+                <a16:creationId xmlns:a16="http://schemas.microsoft.com/office/drawing/2014/main" id="{2E930056-0EBB-0431-7790-1F1B8C6EF71C}"/>
               </a:ext>
             </a:extLst>
           </p:cNvPr>
@@ -488,7 +488,7 @@
           <p:cNvPr id="6" name="灯片编号占位符 5">
             <a:extLst>
               <a:ext uri="{FF2B5EF4-FFF2-40B4-BE49-F238E27FC236}">
-                <a16:creationId xmlns:a16="http://schemas.microsoft.com/office/drawing/2014/main" id="{C620F5E9-7AF1-06F4-331A-E65198D4B82C}"/>
+                <a16:creationId xmlns:a16="http://schemas.microsoft.com/office/drawing/2014/main" id="{C9833374-5E7A-9C75-AD16-CEE8EB56A0F6}"/>
               </a:ext>
             </a:extLst>
           </p:cNvPr>
@@ -504,7 +504,7 @@
           <a:bodyPr/>
           <a:lstStyle/>
           <a:p>
-            <a:fld id="{AE138A57-60B0-42F9-B0F8-86DF8E120A51}" type="slidenum">
+            <a:fld id="{FF23B302-5B0E-4EEB-B3AF-64E42A256ACD}" type="slidenum">
               <a:rPr lang="zh-CN" altLang="en-US" smtClean="0"/>
               <a:t>‹#›</a:t>
             </a:fld>
@@ -515,7 +515,7 @@
     </p:spTree>
     <p:extLst>
       <p:ext uri="{BB962C8B-B14F-4D97-AF65-F5344CB8AC3E}">
-        <p14:creationId xmlns:p14="http://schemas.microsoft.com/office/powerpoint/2010/main" val="608300200"/>
+        <p14:creationId xmlns:p14="http://schemas.microsoft.com/office/powerpoint/2010/main" val="2319806887"/>
       </p:ext>
     </p:extLst>
   </p:cSld>
@@ -547,7 +547,7 @@
           <p:cNvPr id="2" name="竖排标题 1">
             <a:extLst>
               <a:ext uri="{FF2B5EF4-FFF2-40B4-BE49-F238E27FC236}">
-                <a16:creationId xmlns:a16="http://schemas.microsoft.com/office/drawing/2014/main" id="{616AE02D-6ACE-D524-539D-3BB0DE916483}"/>
+                <a16:creationId xmlns:a16="http://schemas.microsoft.com/office/drawing/2014/main" id="{F7D53E4C-C162-E738-3BC4-243FD4B4F6C8}"/>
               </a:ext>
             </a:extLst>
           </p:cNvPr>
@@ -580,7 +580,7 @@
           <p:cNvPr id="3" name="竖排文字占位符 2">
             <a:extLst>
               <a:ext uri="{FF2B5EF4-FFF2-40B4-BE49-F238E27FC236}">
-                <a16:creationId xmlns:a16="http://schemas.microsoft.com/office/drawing/2014/main" id="{99314DFF-2145-0849-A732-58EE2E6EB159}"/>
+                <a16:creationId xmlns:a16="http://schemas.microsoft.com/office/drawing/2014/main" id="{0A6FFD09-3E91-1176-C7E6-3D0057F7834C}"/>
               </a:ext>
             </a:extLst>
           </p:cNvPr>
@@ -642,7 +642,7 @@
           <p:cNvPr id="4" name="日期占位符 3">
             <a:extLst>
               <a:ext uri="{FF2B5EF4-FFF2-40B4-BE49-F238E27FC236}">
-                <a16:creationId xmlns:a16="http://schemas.microsoft.com/office/drawing/2014/main" id="{3E7447FF-9B51-F6A1-F4C6-473C9B450915}"/>
+                <a16:creationId xmlns:a16="http://schemas.microsoft.com/office/drawing/2014/main" id="{E7953377-F5CC-8A7F-D9FA-FD6202354847}"/>
               </a:ext>
             </a:extLst>
           </p:cNvPr>
@@ -658,7 +658,7 @@
           <a:bodyPr/>
           <a:lstStyle/>
           <a:p>
-            <a:fld id="{89145896-6E34-4A68-9322-FD2549C1DF64}" type="datetimeFigureOut">
+            <a:fld id="{F0C9C9B2-3859-4641-8750-E6210C8E4751}" type="datetimeFigureOut">
               <a:rPr lang="zh-CN" altLang="en-US" smtClean="0"/>
               <a:t>2024/3/10</a:t>
             </a:fld>
@@ -671,7 +671,7 @@
           <p:cNvPr id="5" name="页脚占位符 4">
             <a:extLst>
               <a:ext uri="{FF2B5EF4-FFF2-40B4-BE49-F238E27FC236}">
-                <a16:creationId xmlns:a16="http://schemas.microsoft.com/office/drawing/2014/main" id="{B6E8435B-B2C4-8EC5-F126-8CDF72DC4167}"/>
+                <a16:creationId xmlns:a16="http://schemas.microsoft.com/office/drawing/2014/main" id="{D48FAA92-3962-7273-4374-BCD1F9BC2ED6}"/>
               </a:ext>
             </a:extLst>
           </p:cNvPr>
@@ -696,7 +696,7 @@
           <p:cNvPr id="6" name="灯片编号占位符 5">
             <a:extLst>
               <a:ext uri="{FF2B5EF4-FFF2-40B4-BE49-F238E27FC236}">
-                <a16:creationId xmlns:a16="http://schemas.microsoft.com/office/drawing/2014/main" id="{C670DCB6-351A-6303-5E5B-C36523CEC4FA}"/>
+                <a16:creationId xmlns:a16="http://schemas.microsoft.com/office/drawing/2014/main" id="{05EF1D37-3256-0DED-5F37-8F24717D131D}"/>
               </a:ext>
             </a:extLst>
           </p:cNvPr>
@@ -712,7 +712,7 @@
           <a:bodyPr/>
           <a:lstStyle/>
           <a:p>
-            <a:fld id="{AE138A57-60B0-42F9-B0F8-86DF8E120A51}" type="slidenum">
+            <a:fld id="{FF23B302-5B0E-4EEB-B3AF-64E42A256ACD}" type="slidenum">
               <a:rPr lang="zh-CN" altLang="en-US" smtClean="0"/>
               <a:t>‹#›</a:t>
             </a:fld>
@@ -723,7 +723,7 @@
     </p:spTree>
     <p:extLst>
       <p:ext uri="{BB962C8B-B14F-4D97-AF65-F5344CB8AC3E}">
-        <p14:creationId xmlns:p14="http://schemas.microsoft.com/office/powerpoint/2010/main" val="2118740127"/>
+        <p14:creationId xmlns:p14="http://schemas.microsoft.com/office/powerpoint/2010/main" val="2445907298"/>
       </p:ext>
     </p:extLst>
   </p:cSld>
@@ -755,7 +755,7 @@
           <p:cNvPr id="2" name="标题 1">
             <a:extLst>
               <a:ext uri="{FF2B5EF4-FFF2-40B4-BE49-F238E27FC236}">
-                <a16:creationId xmlns:a16="http://schemas.microsoft.com/office/drawing/2014/main" id="{DCA6DC3A-6768-E4D4-E868-532F7484BF62}"/>
+                <a16:creationId xmlns:a16="http://schemas.microsoft.com/office/drawing/2014/main" id="{67C86B8C-F7EB-F423-B42F-7C5E6C40AA3F}"/>
               </a:ext>
             </a:extLst>
           </p:cNvPr>
@@ -783,7 +783,7 @@
           <p:cNvPr id="3" name="内容占位符 2">
             <a:extLst>
               <a:ext uri="{FF2B5EF4-FFF2-40B4-BE49-F238E27FC236}">
-                <a16:creationId xmlns:a16="http://schemas.microsoft.com/office/drawing/2014/main" id="{A8F07F5E-DF4B-BFC3-2A17-01C44CD63C75}"/>
+                <a16:creationId xmlns:a16="http://schemas.microsoft.com/office/drawing/2014/main" id="{ACB55177-693E-532B-34B9-29243BBF4F5B}"/>
               </a:ext>
             </a:extLst>
           </p:cNvPr>
@@ -840,7 +840,7 @@
           <p:cNvPr id="4" name="日期占位符 3">
             <a:extLst>
               <a:ext uri="{FF2B5EF4-FFF2-40B4-BE49-F238E27FC236}">
-                <a16:creationId xmlns:a16="http://schemas.microsoft.com/office/drawing/2014/main" id="{D5B3BDF0-0FA0-09E9-A034-3B6D4AFF17BF}"/>
+                <a16:creationId xmlns:a16="http://schemas.microsoft.com/office/drawing/2014/main" id="{76C4F5CC-FC06-D32E-02CB-6FC2F1CED9E9}"/>
               </a:ext>
             </a:extLst>
           </p:cNvPr>
@@ -856,7 +856,7 @@
           <a:bodyPr/>
           <a:lstStyle/>
           <a:p>
-            <a:fld id="{89145896-6E34-4A68-9322-FD2549C1DF64}" type="datetimeFigureOut">
+            <a:fld id="{F0C9C9B2-3859-4641-8750-E6210C8E4751}" type="datetimeFigureOut">
               <a:rPr lang="zh-CN" altLang="en-US" smtClean="0"/>
               <a:t>2024/3/10</a:t>
             </a:fld>
@@ -869,7 +869,7 @@
           <p:cNvPr id="5" name="页脚占位符 4">
             <a:extLst>
               <a:ext uri="{FF2B5EF4-FFF2-40B4-BE49-F238E27FC236}">
-                <a16:creationId xmlns:a16="http://schemas.microsoft.com/office/drawing/2014/main" id="{6AA73A62-3D28-D1D6-3EDB-425D7F3B1DA4}"/>
+                <a16:creationId xmlns:a16="http://schemas.microsoft.com/office/drawing/2014/main" id="{97596419-6696-EC7E-43E7-F278E6C32E10}"/>
               </a:ext>
             </a:extLst>
           </p:cNvPr>
@@ -894,7 +894,7 @@
           <p:cNvPr id="6" name="灯片编号占位符 5">
             <a:extLst>
               <a:ext uri="{FF2B5EF4-FFF2-40B4-BE49-F238E27FC236}">
-                <a16:creationId xmlns:a16="http://schemas.microsoft.com/office/drawing/2014/main" id="{39B88272-7D74-A0B5-4D12-939C18A9B981}"/>
+                <a16:creationId xmlns:a16="http://schemas.microsoft.com/office/drawing/2014/main" id="{1822A8F2-36C2-289B-D608-09ADFC36CBC7}"/>
               </a:ext>
             </a:extLst>
           </p:cNvPr>
@@ -910,7 +910,7 @@
           <a:bodyPr/>
           <a:lstStyle/>
           <a:p>
-            <a:fld id="{AE138A57-60B0-42F9-B0F8-86DF8E120A51}" type="slidenum">
+            <a:fld id="{FF23B302-5B0E-4EEB-B3AF-64E42A256ACD}" type="slidenum">
               <a:rPr lang="zh-CN" altLang="en-US" smtClean="0"/>
               <a:t>‹#›</a:t>
             </a:fld>
@@ -921,7 +921,7 @@
     </p:spTree>
     <p:extLst>
       <p:ext uri="{BB962C8B-B14F-4D97-AF65-F5344CB8AC3E}">
-        <p14:creationId xmlns:p14="http://schemas.microsoft.com/office/powerpoint/2010/main" val="1442606498"/>
+        <p14:creationId xmlns:p14="http://schemas.microsoft.com/office/powerpoint/2010/main" val="1968257539"/>
       </p:ext>
     </p:extLst>
   </p:cSld>
@@ -953,7 +953,7 @@
           <p:cNvPr id="2" name="标题 1">
             <a:extLst>
               <a:ext uri="{FF2B5EF4-FFF2-40B4-BE49-F238E27FC236}">
-                <a16:creationId xmlns:a16="http://schemas.microsoft.com/office/drawing/2014/main" id="{50EA7EB5-05CD-64A3-8C1F-ED4037C6FE76}"/>
+                <a16:creationId xmlns:a16="http://schemas.microsoft.com/office/drawing/2014/main" id="{626F8457-B807-F756-714E-C3147149DFC9}"/>
               </a:ext>
             </a:extLst>
           </p:cNvPr>
@@ -990,7 +990,7 @@
           <p:cNvPr id="3" name="文本占位符 2">
             <a:extLst>
               <a:ext uri="{FF2B5EF4-FFF2-40B4-BE49-F238E27FC236}">
-                <a16:creationId xmlns:a16="http://schemas.microsoft.com/office/drawing/2014/main" id="{41B52B50-8133-9B1C-5BC9-C19D881E8334}"/>
+                <a16:creationId xmlns:a16="http://schemas.microsoft.com/office/drawing/2014/main" id="{E8EB2AFB-247B-4998-470B-703D86234863}"/>
               </a:ext>
             </a:extLst>
           </p:cNvPr>
@@ -1115,7 +1115,7 @@
           <p:cNvPr id="4" name="日期占位符 3">
             <a:extLst>
               <a:ext uri="{FF2B5EF4-FFF2-40B4-BE49-F238E27FC236}">
-                <a16:creationId xmlns:a16="http://schemas.microsoft.com/office/drawing/2014/main" id="{9870ECFA-3A7E-9D1B-07E1-C8D5738AC963}"/>
+                <a16:creationId xmlns:a16="http://schemas.microsoft.com/office/drawing/2014/main" id="{CD1E2561-D0AD-FBC8-828B-6EFBD2EDAC66}"/>
               </a:ext>
             </a:extLst>
           </p:cNvPr>
@@ -1131,7 +1131,7 @@
           <a:bodyPr/>
           <a:lstStyle/>
           <a:p>
-            <a:fld id="{89145896-6E34-4A68-9322-FD2549C1DF64}" type="datetimeFigureOut">
+            <a:fld id="{F0C9C9B2-3859-4641-8750-E6210C8E4751}" type="datetimeFigureOut">
               <a:rPr lang="zh-CN" altLang="en-US" smtClean="0"/>
               <a:t>2024/3/10</a:t>
             </a:fld>
@@ -1144,7 +1144,7 @@
           <p:cNvPr id="5" name="页脚占位符 4">
             <a:extLst>
               <a:ext uri="{FF2B5EF4-FFF2-40B4-BE49-F238E27FC236}">
-                <a16:creationId xmlns:a16="http://schemas.microsoft.com/office/drawing/2014/main" id="{B2E1FD81-5F9A-F579-5817-D48C668444B0}"/>
+                <a16:creationId xmlns:a16="http://schemas.microsoft.com/office/drawing/2014/main" id="{F6558A1C-C412-8115-ACB5-3E2F197634F8}"/>
               </a:ext>
             </a:extLst>
           </p:cNvPr>
@@ -1169,7 +1169,7 @@
           <p:cNvPr id="6" name="灯片编号占位符 5">
             <a:extLst>
               <a:ext uri="{FF2B5EF4-FFF2-40B4-BE49-F238E27FC236}">
-                <a16:creationId xmlns:a16="http://schemas.microsoft.com/office/drawing/2014/main" id="{BE82A156-E5B9-6108-474C-B61FB6329235}"/>
+                <a16:creationId xmlns:a16="http://schemas.microsoft.com/office/drawing/2014/main" id="{6DA7B774-AF40-9611-734C-016A549C97CC}"/>
               </a:ext>
             </a:extLst>
           </p:cNvPr>
@@ -1185,7 +1185,7 @@
           <a:bodyPr/>
           <a:lstStyle/>
           <a:p>
-            <a:fld id="{AE138A57-60B0-42F9-B0F8-86DF8E120A51}" type="slidenum">
+            <a:fld id="{FF23B302-5B0E-4EEB-B3AF-64E42A256ACD}" type="slidenum">
               <a:rPr lang="zh-CN" altLang="en-US" smtClean="0"/>
               <a:t>‹#›</a:t>
             </a:fld>
@@ -1196,7 +1196,7 @@
     </p:spTree>
     <p:extLst>
       <p:ext uri="{BB962C8B-B14F-4D97-AF65-F5344CB8AC3E}">
-        <p14:creationId xmlns:p14="http://schemas.microsoft.com/office/powerpoint/2010/main" val="2047259238"/>
+        <p14:creationId xmlns:p14="http://schemas.microsoft.com/office/powerpoint/2010/main" val="672644954"/>
       </p:ext>
     </p:extLst>
   </p:cSld>
@@ -1228,7 +1228,7 @@
           <p:cNvPr id="2" name="标题 1">
             <a:extLst>
               <a:ext uri="{FF2B5EF4-FFF2-40B4-BE49-F238E27FC236}">
-                <a16:creationId xmlns:a16="http://schemas.microsoft.com/office/drawing/2014/main" id="{360E1AF4-34EA-6899-ADB7-6CA72E0BF5A6}"/>
+                <a16:creationId xmlns:a16="http://schemas.microsoft.com/office/drawing/2014/main" id="{A7A9F5C6-DF41-E155-24E4-99CD2DE07322}"/>
               </a:ext>
             </a:extLst>
           </p:cNvPr>
@@ -1256,7 +1256,7 @@
           <p:cNvPr id="3" name="内容占位符 2">
             <a:extLst>
               <a:ext uri="{FF2B5EF4-FFF2-40B4-BE49-F238E27FC236}">
-                <a16:creationId xmlns:a16="http://schemas.microsoft.com/office/drawing/2014/main" id="{29656168-2F7C-3927-4ADB-2D2AB6E908B7}"/>
+                <a16:creationId xmlns:a16="http://schemas.microsoft.com/office/drawing/2014/main" id="{3C85098B-E505-5B1B-68EA-65CAFCD89FC7}"/>
               </a:ext>
             </a:extLst>
           </p:cNvPr>
@@ -1318,7 +1318,7 @@
           <p:cNvPr id="4" name="内容占位符 3">
             <a:extLst>
               <a:ext uri="{FF2B5EF4-FFF2-40B4-BE49-F238E27FC236}">
-                <a16:creationId xmlns:a16="http://schemas.microsoft.com/office/drawing/2014/main" id="{192628AB-D727-022A-C60B-07362B9F0E1D}"/>
+                <a16:creationId xmlns:a16="http://schemas.microsoft.com/office/drawing/2014/main" id="{083C65BF-ED54-72E0-038A-3F4E7FB13BB3}"/>
               </a:ext>
             </a:extLst>
           </p:cNvPr>
@@ -1380,7 +1380,7 @@
           <p:cNvPr id="5" name="日期占位符 4">
             <a:extLst>
               <a:ext uri="{FF2B5EF4-FFF2-40B4-BE49-F238E27FC236}">
-                <a16:creationId xmlns:a16="http://schemas.microsoft.com/office/drawing/2014/main" id="{4D51049F-0F49-C6F7-90AE-BBF97CAF1720}"/>
+                <a16:creationId xmlns:a16="http://schemas.microsoft.com/office/drawing/2014/main" id="{19125020-9176-1861-6D3F-5CD3EE5CD33F}"/>
               </a:ext>
             </a:extLst>
           </p:cNvPr>
@@ -1396,7 +1396,7 @@
           <a:bodyPr/>
           <a:lstStyle/>
           <a:p>
-            <a:fld id="{89145896-6E34-4A68-9322-FD2549C1DF64}" type="datetimeFigureOut">
+            <a:fld id="{F0C9C9B2-3859-4641-8750-E6210C8E4751}" type="datetimeFigureOut">
               <a:rPr lang="zh-CN" altLang="en-US" smtClean="0"/>
               <a:t>2024/3/10</a:t>
             </a:fld>
@@ -1409,7 +1409,7 @@
           <p:cNvPr id="6" name="页脚占位符 5">
             <a:extLst>
               <a:ext uri="{FF2B5EF4-FFF2-40B4-BE49-F238E27FC236}">
-                <a16:creationId xmlns:a16="http://schemas.microsoft.com/office/drawing/2014/main" id="{7BB59E86-BAAE-8D9E-2BFA-0DC1A487E54E}"/>
+                <a16:creationId xmlns:a16="http://schemas.microsoft.com/office/drawing/2014/main" id="{7F7D2382-4E82-7EB6-92F7-ACD5EB039182}"/>
               </a:ext>
             </a:extLst>
           </p:cNvPr>
@@ -1434,7 +1434,7 @@
           <p:cNvPr id="7" name="灯片编号占位符 6">
             <a:extLst>
               <a:ext uri="{FF2B5EF4-FFF2-40B4-BE49-F238E27FC236}">
-                <a16:creationId xmlns:a16="http://schemas.microsoft.com/office/drawing/2014/main" id="{49E72267-53C7-47C6-D900-5C5BDCFD457C}"/>
+                <a16:creationId xmlns:a16="http://schemas.microsoft.com/office/drawing/2014/main" id="{BD31CC74-1112-90D0-36CC-A17AF123F038}"/>
               </a:ext>
             </a:extLst>
           </p:cNvPr>
@@ -1450,7 +1450,7 @@
           <a:bodyPr/>
           <a:lstStyle/>
           <a:p>
-            <a:fld id="{AE138A57-60B0-42F9-B0F8-86DF8E120A51}" type="slidenum">
+            <a:fld id="{FF23B302-5B0E-4EEB-B3AF-64E42A256ACD}" type="slidenum">
               <a:rPr lang="zh-CN" altLang="en-US" smtClean="0"/>
               <a:t>‹#›</a:t>
             </a:fld>
@@ -1461,7 +1461,7 @@
     </p:spTree>
     <p:extLst>
       <p:ext uri="{BB962C8B-B14F-4D97-AF65-F5344CB8AC3E}">
-        <p14:creationId xmlns:p14="http://schemas.microsoft.com/office/powerpoint/2010/main" val="4223615379"/>
+        <p14:creationId xmlns:p14="http://schemas.microsoft.com/office/powerpoint/2010/main" val="230691296"/>
       </p:ext>
     </p:extLst>
   </p:cSld>
@@ -1493,7 +1493,7 @@
           <p:cNvPr id="2" name="标题 1">
             <a:extLst>
               <a:ext uri="{FF2B5EF4-FFF2-40B4-BE49-F238E27FC236}">
-                <a16:creationId xmlns:a16="http://schemas.microsoft.com/office/drawing/2014/main" id="{B48416DA-FB56-2E40-8E8D-5A8A6926B78F}"/>
+                <a16:creationId xmlns:a16="http://schemas.microsoft.com/office/drawing/2014/main" id="{399BB467-3364-D3FE-2321-609BAEE4D15C}"/>
               </a:ext>
             </a:extLst>
           </p:cNvPr>
@@ -1526,7 +1526,7 @@
           <p:cNvPr id="3" name="文本占位符 2">
             <a:extLst>
               <a:ext uri="{FF2B5EF4-FFF2-40B4-BE49-F238E27FC236}">
-                <a16:creationId xmlns:a16="http://schemas.microsoft.com/office/drawing/2014/main" id="{D7E93F4E-C963-1803-710C-E5375E117465}"/>
+                <a16:creationId xmlns:a16="http://schemas.microsoft.com/office/drawing/2014/main" id="{B0190BF5-53B3-E1C3-B1A9-8623D6453A31}"/>
               </a:ext>
             </a:extLst>
           </p:cNvPr>
@@ -1597,7 +1597,7 @@
           <p:cNvPr id="4" name="内容占位符 3">
             <a:extLst>
               <a:ext uri="{FF2B5EF4-FFF2-40B4-BE49-F238E27FC236}">
-                <a16:creationId xmlns:a16="http://schemas.microsoft.com/office/drawing/2014/main" id="{104479F1-2585-C02B-4787-580EA730D6AA}"/>
+                <a16:creationId xmlns:a16="http://schemas.microsoft.com/office/drawing/2014/main" id="{7FDA14D9-D71B-6476-C128-6B77E3D7538B}"/>
               </a:ext>
             </a:extLst>
           </p:cNvPr>
@@ -1659,7 +1659,7 @@
           <p:cNvPr id="5" name="文本占位符 4">
             <a:extLst>
               <a:ext uri="{FF2B5EF4-FFF2-40B4-BE49-F238E27FC236}">
-                <a16:creationId xmlns:a16="http://schemas.microsoft.com/office/drawing/2014/main" id="{ABAA266F-C69D-87F6-4D5F-00C27BEABD85}"/>
+                <a16:creationId xmlns:a16="http://schemas.microsoft.com/office/drawing/2014/main" id="{0F78A16B-6281-ACC9-D05F-48B17814E2CA}"/>
               </a:ext>
             </a:extLst>
           </p:cNvPr>
@@ -1730,7 +1730,7 @@
           <p:cNvPr id="6" name="内容占位符 5">
             <a:extLst>
               <a:ext uri="{FF2B5EF4-FFF2-40B4-BE49-F238E27FC236}">
-                <a16:creationId xmlns:a16="http://schemas.microsoft.com/office/drawing/2014/main" id="{1A45F1D5-06AF-3941-CE6C-A2B15AC7F2EF}"/>
+                <a16:creationId xmlns:a16="http://schemas.microsoft.com/office/drawing/2014/main" id="{BA5ADD90-5AB7-1107-1536-25A9E2703015}"/>
               </a:ext>
             </a:extLst>
           </p:cNvPr>
@@ -1792,7 +1792,7 @@
           <p:cNvPr id="7" name="日期占位符 6">
             <a:extLst>
               <a:ext uri="{FF2B5EF4-FFF2-40B4-BE49-F238E27FC236}">
-                <a16:creationId xmlns:a16="http://schemas.microsoft.com/office/drawing/2014/main" id="{142C5FE4-1C7E-DF56-EB96-3A71732927B8}"/>
+                <a16:creationId xmlns:a16="http://schemas.microsoft.com/office/drawing/2014/main" id="{0F5BD20E-BF48-6F9A-2CE0-CC52F5344CAB}"/>
               </a:ext>
             </a:extLst>
           </p:cNvPr>
@@ -1808,7 +1808,7 @@
           <a:bodyPr/>
           <a:lstStyle/>
           <a:p>
-            <a:fld id="{89145896-6E34-4A68-9322-FD2549C1DF64}" type="datetimeFigureOut">
+            <a:fld id="{F0C9C9B2-3859-4641-8750-E6210C8E4751}" type="datetimeFigureOut">
               <a:rPr lang="zh-CN" altLang="en-US" smtClean="0"/>
               <a:t>2024/3/10</a:t>
             </a:fld>
@@ -1821,7 +1821,7 @@
           <p:cNvPr id="8" name="页脚占位符 7">
             <a:extLst>
               <a:ext uri="{FF2B5EF4-FFF2-40B4-BE49-F238E27FC236}">
-                <a16:creationId xmlns:a16="http://schemas.microsoft.com/office/drawing/2014/main" id="{A46DF9BC-E5D3-D673-76FF-C68A5664B052}"/>
+                <a16:creationId xmlns:a16="http://schemas.microsoft.com/office/drawing/2014/main" id="{DAA3BB68-79CA-6EDE-09A7-03C5C76BF0DF}"/>
               </a:ext>
             </a:extLst>
           </p:cNvPr>
@@ -1846,7 +1846,7 @@
           <p:cNvPr id="9" name="灯片编号占位符 8">
             <a:extLst>
               <a:ext uri="{FF2B5EF4-FFF2-40B4-BE49-F238E27FC236}">
-                <a16:creationId xmlns:a16="http://schemas.microsoft.com/office/drawing/2014/main" id="{57A4AA20-7677-9BFC-CF5E-86ADE9B8FCAB}"/>
+                <a16:creationId xmlns:a16="http://schemas.microsoft.com/office/drawing/2014/main" id="{CA14D7C8-75D7-65C6-696C-754489F96CC2}"/>
               </a:ext>
             </a:extLst>
           </p:cNvPr>
@@ -1862,7 +1862,7 @@
           <a:bodyPr/>
           <a:lstStyle/>
           <a:p>
-            <a:fld id="{AE138A57-60B0-42F9-B0F8-86DF8E120A51}" type="slidenum">
+            <a:fld id="{FF23B302-5B0E-4EEB-B3AF-64E42A256ACD}" type="slidenum">
               <a:rPr lang="zh-CN" altLang="en-US" smtClean="0"/>
               <a:t>‹#›</a:t>
             </a:fld>
@@ -1873,7 +1873,7 @@
     </p:spTree>
     <p:extLst>
       <p:ext uri="{BB962C8B-B14F-4D97-AF65-F5344CB8AC3E}">
-        <p14:creationId xmlns:p14="http://schemas.microsoft.com/office/powerpoint/2010/main" val="2179873921"/>
+        <p14:creationId xmlns:p14="http://schemas.microsoft.com/office/powerpoint/2010/main" val="3949306534"/>
       </p:ext>
     </p:extLst>
   </p:cSld>
@@ -1905,7 +1905,7 @@
           <p:cNvPr id="2" name="标题 1">
             <a:extLst>
               <a:ext uri="{FF2B5EF4-FFF2-40B4-BE49-F238E27FC236}">
-                <a16:creationId xmlns:a16="http://schemas.microsoft.com/office/drawing/2014/main" id="{E6DDEF82-4099-E010-7A98-85515D50D05D}"/>
+                <a16:creationId xmlns:a16="http://schemas.microsoft.com/office/drawing/2014/main" id="{2F68489D-2B16-3655-6F5C-2C943D5D7E2F}"/>
               </a:ext>
             </a:extLst>
           </p:cNvPr>
@@ -1933,7 +1933,7 @@
           <p:cNvPr id="3" name="日期占位符 2">
             <a:extLst>
               <a:ext uri="{FF2B5EF4-FFF2-40B4-BE49-F238E27FC236}">
-                <a16:creationId xmlns:a16="http://schemas.microsoft.com/office/drawing/2014/main" id="{5EF42138-65B7-C712-5147-3E051BCF7626}"/>
+                <a16:creationId xmlns:a16="http://schemas.microsoft.com/office/drawing/2014/main" id="{3B0AC3BA-0967-2AC3-9AF6-EF6981D73DE3}"/>
               </a:ext>
             </a:extLst>
           </p:cNvPr>
@@ -1949,7 +1949,7 @@
           <a:bodyPr/>
           <a:lstStyle/>
           <a:p>
-            <a:fld id="{89145896-6E34-4A68-9322-FD2549C1DF64}" type="datetimeFigureOut">
+            <a:fld id="{F0C9C9B2-3859-4641-8750-E6210C8E4751}" type="datetimeFigureOut">
               <a:rPr lang="zh-CN" altLang="en-US" smtClean="0"/>
               <a:t>2024/3/10</a:t>
             </a:fld>
@@ -1962,7 +1962,7 @@
           <p:cNvPr id="4" name="页脚占位符 3">
             <a:extLst>
               <a:ext uri="{FF2B5EF4-FFF2-40B4-BE49-F238E27FC236}">
-                <a16:creationId xmlns:a16="http://schemas.microsoft.com/office/drawing/2014/main" id="{78CEE621-A72B-C55B-B9EB-7205678E3C72}"/>
+                <a16:creationId xmlns:a16="http://schemas.microsoft.com/office/drawing/2014/main" id="{F7126037-43B3-BC40-03C8-3F8FE4D9DD9E}"/>
               </a:ext>
             </a:extLst>
           </p:cNvPr>
@@ -1987,7 +1987,7 @@
           <p:cNvPr id="5" name="灯片编号占位符 4">
             <a:extLst>
               <a:ext uri="{FF2B5EF4-FFF2-40B4-BE49-F238E27FC236}">
-                <a16:creationId xmlns:a16="http://schemas.microsoft.com/office/drawing/2014/main" id="{5890D78F-8272-B4BD-6EE1-ED3887373266}"/>
+                <a16:creationId xmlns:a16="http://schemas.microsoft.com/office/drawing/2014/main" id="{655DEE48-AAF6-9361-56F0-B7A9D28A9026}"/>
               </a:ext>
             </a:extLst>
           </p:cNvPr>
@@ -2003,7 +2003,7 @@
           <a:bodyPr/>
           <a:lstStyle/>
           <a:p>
-            <a:fld id="{AE138A57-60B0-42F9-B0F8-86DF8E120A51}" type="slidenum">
+            <a:fld id="{FF23B302-5B0E-4EEB-B3AF-64E42A256ACD}" type="slidenum">
               <a:rPr lang="zh-CN" altLang="en-US" smtClean="0"/>
               <a:t>‹#›</a:t>
             </a:fld>
@@ -2014,7 +2014,7 @@
     </p:spTree>
     <p:extLst>
       <p:ext uri="{BB962C8B-B14F-4D97-AF65-F5344CB8AC3E}">
-        <p14:creationId xmlns:p14="http://schemas.microsoft.com/office/powerpoint/2010/main" val="1770362440"/>
+        <p14:creationId xmlns:p14="http://schemas.microsoft.com/office/powerpoint/2010/main" val="1075403359"/>
       </p:ext>
     </p:extLst>
   </p:cSld>
@@ -2046,7 +2046,7 @@
           <p:cNvPr id="2" name="日期占位符 1">
             <a:extLst>
               <a:ext uri="{FF2B5EF4-FFF2-40B4-BE49-F238E27FC236}">
-                <a16:creationId xmlns:a16="http://schemas.microsoft.com/office/drawing/2014/main" id="{9C30CEC9-FB92-24D0-8890-FBFFAE277309}"/>
+                <a16:creationId xmlns:a16="http://schemas.microsoft.com/office/drawing/2014/main" id="{2D25D76D-F99A-C1A9-D07A-3C1FF137FB76}"/>
               </a:ext>
             </a:extLst>
           </p:cNvPr>
@@ -2062,7 +2062,7 @@
           <a:bodyPr/>
           <a:lstStyle/>
           <a:p>
-            <a:fld id="{89145896-6E34-4A68-9322-FD2549C1DF64}" type="datetimeFigureOut">
+            <a:fld id="{F0C9C9B2-3859-4641-8750-E6210C8E4751}" type="datetimeFigureOut">
               <a:rPr lang="zh-CN" altLang="en-US" smtClean="0"/>
               <a:t>2024/3/10</a:t>
             </a:fld>
@@ -2075,7 +2075,7 @@
           <p:cNvPr id="3" name="页脚占位符 2">
             <a:extLst>
               <a:ext uri="{FF2B5EF4-FFF2-40B4-BE49-F238E27FC236}">
-                <a16:creationId xmlns:a16="http://schemas.microsoft.com/office/drawing/2014/main" id="{30F98806-1978-6108-9D9B-E58F1385C96F}"/>
+                <a16:creationId xmlns:a16="http://schemas.microsoft.com/office/drawing/2014/main" id="{9D47A00D-D364-4F2B-3879-AD79AD596DD4}"/>
               </a:ext>
             </a:extLst>
           </p:cNvPr>
@@ -2100,7 +2100,7 @@
           <p:cNvPr id="4" name="灯片编号占位符 3">
             <a:extLst>
               <a:ext uri="{FF2B5EF4-FFF2-40B4-BE49-F238E27FC236}">
-                <a16:creationId xmlns:a16="http://schemas.microsoft.com/office/drawing/2014/main" id="{5BC739A4-BFDB-2345-EFDB-59C24F0FFD1B}"/>
+                <a16:creationId xmlns:a16="http://schemas.microsoft.com/office/drawing/2014/main" id="{AB239990-AF9F-C8FA-F4F9-CF80914D28CD}"/>
               </a:ext>
             </a:extLst>
           </p:cNvPr>
@@ -2116,7 +2116,7 @@
           <a:bodyPr/>
           <a:lstStyle/>
           <a:p>
-            <a:fld id="{AE138A57-60B0-42F9-B0F8-86DF8E120A51}" type="slidenum">
+            <a:fld id="{FF23B302-5B0E-4EEB-B3AF-64E42A256ACD}" type="slidenum">
               <a:rPr lang="zh-CN" altLang="en-US" smtClean="0"/>
               <a:t>‹#›</a:t>
             </a:fld>
@@ -2127,7 +2127,7 @@
     </p:spTree>
     <p:extLst>
       <p:ext uri="{BB962C8B-B14F-4D97-AF65-F5344CB8AC3E}">
-        <p14:creationId xmlns:p14="http://schemas.microsoft.com/office/powerpoint/2010/main" val="3730511774"/>
+        <p14:creationId xmlns:p14="http://schemas.microsoft.com/office/powerpoint/2010/main" val="2490439913"/>
       </p:ext>
     </p:extLst>
   </p:cSld>
@@ -2159,7 +2159,7 @@
           <p:cNvPr id="2" name="标题 1">
             <a:extLst>
               <a:ext uri="{FF2B5EF4-FFF2-40B4-BE49-F238E27FC236}">
-                <a16:creationId xmlns:a16="http://schemas.microsoft.com/office/drawing/2014/main" id="{A3C9B7D3-8A31-49CC-C288-AF8E587720CF}"/>
+                <a16:creationId xmlns:a16="http://schemas.microsoft.com/office/drawing/2014/main" id="{7574E4DC-D8C2-22C4-AEEC-728ABE73CBF9}"/>
               </a:ext>
             </a:extLst>
           </p:cNvPr>
@@ -2196,7 +2196,7 @@
           <p:cNvPr id="3" name="内容占位符 2">
             <a:extLst>
               <a:ext uri="{FF2B5EF4-FFF2-40B4-BE49-F238E27FC236}">
-                <a16:creationId xmlns:a16="http://schemas.microsoft.com/office/drawing/2014/main" id="{A59C6118-AB5B-C383-B5AC-CAB8234C567E}"/>
+                <a16:creationId xmlns:a16="http://schemas.microsoft.com/office/drawing/2014/main" id="{92C50923-2A3B-B067-CEF2-1E4F6DC09E19}"/>
               </a:ext>
             </a:extLst>
           </p:cNvPr>
@@ -2286,7 +2286,7 @@
           <p:cNvPr id="4" name="文本占位符 3">
             <a:extLst>
               <a:ext uri="{FF2B5EF4-FFF2-40B4-BE49-F238E27FC236}">
-                <a16:creationId xmlns:a16="http://schemas.microsoft.com/office/drawing/2014/main" id="{81EEC077-3DC1-1C10-34D7-9514E360E465}"/>
+                <a16:creationId xmlns:a16="http://schemas.microsoft.com/office/drawing/2014/main" id="{9F0D82D6-E65F-102C-428E-CDC3408B9DD6}"/>
               </a:ext>
             </a:extLst>
           </p:cNvPr>
@@ -2357,7 +2357,7 @@
           <p:cNvPr id="5" name="日期占位符 4">
             <a:extLst>
               <a:ext uri="{FF2B5EF4-FFF2-40B4-BE49-F238E27FC236}">
-                <a16:creationId xmlns:a16="http://schemas.microsoft.com/office/drawing/2014/main" id="{81754105-733F-F2DB-795F-9F632E3732CA}"/>
+                <a16:creationId xmlns:a16="http://schemas.microsoft.com/office/drawing/2014/main" id="{2E7C46FC-9E70-FC0E-C8A2-CD753A4BFCAB}"/>
               </a:ext>
             </a:extLst>
           </p:cNvPr>
@@ -2373,7 +2373,7 @@
           <a:bodyPr/>
           <a:lstStyle/>
           <a:p>
-            <a:fld id="{89145896-6E34-4A68-9322-FD2549C1DF64}" type="datetimeFigureOut">
+            <a:fld id="{F0C9C9B2-3859-4641-8750-E6210C8E4751}" type="datetimeFigureOut">
               <a:rPr lang="zh-CN" altLang="en-US" smtClean="0"/>
               <a:t>2024/3/10</a:t>
             </a:fld>
@@ -2386,7 +2386,7 @@
           <p:cNvPr id="6" name="页脚占位符 5">
             <a:extLst>
               <a:ext uri="{FF2B5EF4-FFF2-40B4-BE49-F238E27FC236}">
-                <a16:creationId xmlns:a16="http://schemas.microsoft.com/office/drawing/2014/main" id="{8D3B9321-0128-BFD5-0E75-EDEC3DDAC8B3}"/>
+                <a16:creationId xmlns:a16="http://schemas.microsoft.com/office/drawing/2014/main" id="{EDF4E66D-6CB8-5214-FD15-B78E481F051A}"/>
               </a:ext>
             </a:extLst>
           </p:cNvPr>
@@ -2411,7 +2411,7 @@
           <p:cNvPr id="7" name="灯片编号占位符 6">
             <a:extLst>
               <a:ext uri="{FF2B5EF4-FFF2-40B4-BE49-F238E27FC236}">
-                <a16:creationId xmlns:a16="http://schemas.microsoft.com/office/drawing/2014/main" id="{3B2109D8-5CF1-AE4F-1EAD-705CFAF0ADCA}"/>
+                <a16:creationId xmlns:a16="http://schemas.microsoft.com/office/drawing/2014/main" id="{EF265890-B2E6-0F24-5022-3F7DCAEFEF24}"/>
               </a:ext>
             </a:extLst>
           </p:cNvPr>
@@ -2427,7 +2427,7 @@
           <a:bodyPr/>
           <a:lstStyle/>
           <a:p>
-            <a:fld id="{AE138A57-60B0-42F9-B0F8-86DF8E120A51}" type="slidenum">
+            <a:fld id="{FF23B302-5B0E-4EEB-B3AF-64E42A256ACD}" type="slidenum">
               <a:rPr lang="zh-CN" altLang="en-US" smtClean="0"/>
               <a:t>‹#›</a:t>
             </a:fld>
@@ -2438,7 +2438,7 @@
     </p:spTree>
     <p:extLst>
       <p:ext uri="{BB962C8B-B14F-4D97-AF65-F5344CB8AC3E}">
-        <p14:creationId xmlns:p14="http://schemas.microsoft.com/office/powerpoint/2010/main" val="1365826215"/>
+        <p14:creationId xmlns:p14="http://schemas.microsoft.com/office/powerpoint/2010/main" val="3590130379"/>
       </p:ext>
     </p:extLst>
   </p:cSld>
@@ -2470,7 +2470,7 @@
           <p:cNvPr id="2" name="标题 1">
             <a:extLst>
               <a:ext uri="{FF2B5EF4-FFF2-40B4-BE49-F238E27FC236}">
-                <a16:creationId xmlns:a16="http://schemas.microsoft.com/office/drawing/2014/main" id="{E17D8D52-3115-DF53-3BF3-740F936A10EA}"/>
+                <a16:creationId xmlns:a16="http://schemas.microsoft.com/office/drawing/2014/main" id="{BAE8639D-E8F0-2AEA-2A7D-718676B9A218}"/>
               </a:ext>
             </a:extLst>
           </p:cNvPr>
@@ -2507,7 +2507,7 @@
           <p:cNvPr id="3" name="图片占位符 2">
             <a:extLst>
               <a:ext uri="{FF2B5EF4-FFF2-40B4-BE49-F238E27FC236}">
-                <a16:creationId xmlns:a16="http://schemas.microsoft.com/office/drawing/2014/main" id="{B9E21289-11F3-BC2D-C683-DDE1F5C6078C}"/>
+                <a16:creationId xmlns:a16="http://schemas.microsoft.com/office/drawing/2014/main" id="{8BB8A50C-8864-F240-176E-B63181CFB90D}"/>
               </a:ext>
             </a:extLst>
           </p:cNvPr>
@@ -2574,7 +2574,7 @@
           <p:cNvPr id="4" name="文本占位符 3">
             <a:extLst>
               <a:ext uri="{FF2B5EF4-FFF2-40B4-BE49-F238E27FC236}">
-                <a16:creationId xmlns:a16="http://schemas.microsoft.com/office/drawing/2014/main" id="{35C155EA-63EE-0FAA-C720-F78A85132D06}"/>
+                <a16:creationId xmlns:a16="http://schemas.microsoft.com/office/drawing/2014/main" id="{45837325-FD1F-9945-FB73-3E4E2963B360}"/>
               </a:ext>
             </a:extLst>
           </p:cNvPr>
@@ -2645,7 +2645,7 @@
           <p:cNvPr id="5" name="日期占位符 4">
             <a:extLst>
               <a:ext uri="{FF2B5EF4-FFF2-40B4-BE49-F238E27FC236}">
-                <a16:creationId xmlns:a16="http://schemas.microsoft.com/office/drawing/2014/main" id="{42A9DA8D-4D28-DDE4-CF34-57F41F4F2C58}"/>
+                <a16:creationId xmlns:a16="http://schemas.microsoft.com/office/drawing/2014/main" id="{40F2FB17-2755-D367-911C-E0AC548F8FEC}"/>
               </a:ext>
             </a:extLst>
           </p:cNvPr>
@@ -2661,7 +2661,7 @@
           <a:bodyPr/>
           <a:lstStyle/>
           <a:p>
-            <a:fld id="{89145896-6E34-4A68-9322-FD2549C1DF64}" type="datetimeFigureOut">
+            <a:fld id="{F0C9C9B2-3859-4641-8750-E6210C8E4751}" type="datetimeFigureOut">
               <a:rPr lang="zh-CN" altLang="en-US" smtClean="0"/>
               <a:t>2024/3/10</a:t>
             </a:fld>
@@ -2674,7 +2674,7 @@
           <p:cNvPr id="6" name="页脚占位符 5">
             <a:extLst>
               <a:ext uri="{FF2B5EF4-FFF2-40B4-BE49-F238E27FC236}">
-                <a16:creationId xmlns:a16="http://schemas.microsoft.com/office/drawing/2014/main" id="{9A18CE1F-4597-CA4A-E5DA-6C5FA915D32B}"/>
+                <a16:creationId xmlns:a16="http://schemas.microsoft.com/office/drawing/2014/main" id="{C0B5111E-73C5-7782-0388-CCC965F7105A}"/>
               </a:ext>
             </a:extLst>
           </p:cNvPr>
@@ -2699,7 +2699,7 @@
           <p:cNvPr id="7" name="灯片编号占位符 6">
             <a:extLst>
               <a:ext uri="{FF2B5EF4-FFF2-40B4-BE49-F238E27FC236}">
-                <a16:creationId xmlns:a16="http://schemas.microsoft.com/office/drawing/2014/main" id="{FDD5F45C-78AA-619D-AAF0-B7C81D6596FF}"/>
+                <a16:creationId xmlns:a16="http://schemas.microsoft.com/office/drawing/2014/main" id="{9DCB2B92-03FF-B8C6-8A6E-2942CA60C9D1}"/>
               </a:ext>
             </a:extLst>
           </p:cNvPr>
@@ -2715,7 +2715,7 @@
           <a:bodyPr/>
           <a:lstStyle/>
           <a:p>
-            <a:fld id="{AE138A57-60B0-42F9-B0F8-86DF8E120A51}" type="slidenum">
+            <a:fld id="{FF23B302-5B0E-4EEB-B3AF-64E42A256ACD}" type="slidenum">
               <a:rPr lang="zh-CN" altLang="en-US" smtClean="0"/>
               <a:t>‹#›</a:t>
             </a:fld>
@@ -2726,7 +2726,7 @@
     </p:spTree>
     <p:extLst>
       <p:ext uri="{BB962C8B-B14F-4D97-AF65-F5344CB8AC3E}">
-        <p14:creationId xmlns:p14="http://schemas.microsoft.com/office/powerpoint/2010/main" val="3510686096"/>
+        <p14:creationId xmlns:p14="http://schemas.microsoft.com/office/powerpoint/2010/main" val="740146446"/>
       </p:ext>
     </p:extLst>
   </p:cSld>
@@ -2763,7 +2763,7 @@
           <p:cNvPr id="2" name="标题占位符 1">
             <a:extLst>
               <a:ext uri="{FF2B5EF4-FFF2-40B4-BE49-F238E27FC236}">
-                <a16:creationId xmlns:a16="http://schemas.microsoft.com/office/drawing/2014/main" id="{A5580BB0-A107-875C-97F1-39209B5BC962}"/>
+                <a16:creationId xmlns:a16="http://schemas.microsoft.com/office/drawing/2014/main" id="{2944275C-67CF-8911-B85C-73A2F56DECF6}"/>
               </a:ext>
             </a:extLst>
           </p:cNvPr>
@@ -2801,7 +2801,7 @@
           <p:cNvPr id="3" name="文本占位符 2">
             <a:extLst>
               <a:ext uri="{FF2B5EF4-FFF2-40B4-BE49-F238E27FC236}">
-                <a16:creationId xmlns:a16="http://schemas.microsoft.com/office/drawing/2014/main" id="{9F855CEC-5128-B557-101A-1EF1FB3624A9}"/>
+                <a16:creationId xmlns:a16="http://schemas.microsoft.com/office/drawing/2014/main" id="{FD7F098C-1B4E-B035-6087-3A3D6E2009E1}"/>
               </a:ext>
             </a:extLst>
           </p:cNvPr>
@@ -2868,7 +2868,7 @@
           <p:cNvPr id="4" name="日期占位符 3">
             <a:extLst>
               <a:ext uri="{FF2B5EF4-FFF2-40B4-BE49-F238E27FC236}">
-                <a16:creationId xmlns:a16="http://schemas.microsoft.com/office/drawing/2014/main" id="{D5A88EEB-B7A9-0CA4-79D8-5F0524ADEAFA}"/>
+                <a16:creationId xmlns:a16="http://schemas.microsoft.com/office/drawing/2014/main" id="{4A7A7380-02A9-615A-0B0C-84A1794233A0}"/>
               </a:ext>
             </a:extLst>
           </p:cNvPr>
@@ -2902,7 +2902,7 @@
             </a:lvl1pPr>
           </a:lstStyle>
           <a:p>
-            <a:fld id="{89145896-6E34-4A68-9322-FD2549C1DF64}" type="datetimeFigureOut">
+            <a:fld id="{F0C9C9B2-3859-4641-8750-E6210C8E4751}" type="datetimeFigureOut">
               <a:rPr lang="zh-CN" altLang="en-US" smtClean="0"/>
               <a:t>2024/3/10</a:t>
             </a:fld>
@@ -2915,7 +2915,7 @@
           <p:cNvPr id="5" name="页脚占位符 4">
             <a:extLst>
               <a:ext uri="{FF2B5EF4-FFF2-40B4-BE49-F238E27FC236}">
-                <a16:creationId xmlns:a16="http://schemas.microsoft.com/office/drawing/2014/main" id="{F20091CC-8D9C-7279-C834-5940F33861BE}"/>
+                <a16:creationId xmlns:a16="http://schemas.microsoft.com/office/drawing/2014/main" id="{F901987B-C322-71D5-1163-D0CB4B08A73E}"/>
               </a:ext>
             </a:extLst>
           </p:cNvPr>
@@ -2958,7 +2958,7 @@
           <p:cNvPr id="6" name="灯片编号占位符 5">
             <a:extLst>
               <a:ext uri="{FF2B5EF4-FFF2-40B4-BE49-F238E27FC236}">
-                <a16:creationId xmlns:a16="http://schemas.microsoft.com/office/drawing/2014/main" id="{5DB68CDB-CC35-332E-29BD-509766A22DB2}"/>
+                <a16:creationId xmlns:a16="http://schemas.microsoft.com/office/drawing/2014/main" id="{85E8B8DD-8BAD-47D9-5B78-AA544FA4062B}"/>
               </a:ext>
             </a:extLst>
           </p:cNvPr>
@@ -2992,7 +2992,7 @@
             </a:lvl1pPr>
           </a:lstStyle>
           <a:p>
-            <a:fld id="{AE138A57-60B0-42F9-B0F8-86DF8E120A51}" type="slidenum">
+            <a:fld id="{FF23B302-5B0E-4EEB-B3AF-64E42A256ACD}" type="slidenum">
               <a:rPr lang="zh-CN" altLang="en-US" smtClean="0"/>
               <a:t>‹#›</a:t>
             </a:fld>
@@ -3003,7 +3003,7 @@
     </p:spTree>
     <p:extLst>
       <p:ext uri="{BB962C8B-B14F-4D97-AF65-F5344CB8AC3E}">
-        <p14:creationId xmlns:p14="http://schemas.microsoft.com/office/powerpoint/2010/main" val="1539011319"/>
+        <p14:creationId xmlns:p14="http://schemas.microsoft.com/office/powerpoint/2010/main" val="3125731317"/>
       </p:ext>
     </p:extLst>
   </p:cSld>
@@ -3323,7 +3323,7 @@
       </p:grpSpPr>
       <p:pic>
         <p:nvPicPr>
-          <p:cNvPr id="1216514" name="Picture 2" descr="1187"/>
+          <p:cNvPr id="1217538" name="Picture 2" descr="1188"/>
           <p:cNvPicPr>
             <a:picLocks noChangeAspect="1" noChangeArrowheads="1"/>
           </p:cNvPicPr>
